--- a/result/BC - kopkpopok - FR001400B4A4.pptx
+++ b/result/BC - kopkpopok - FR001400B4A4.pptx
@@ -224,7 +224,7 @@
           <a:p>
             <a:fld id="{515CCE07-1711-4DC7-A7D8-7ED312C82FB8}" type="datetimeFigureOut">
               <a:rPr lang="fr-FR" smtClean="0"/>
-              <a:t>20/07/2022</a:t>
+              <a:t>26/07/2022</a:t>
             </a:fld>
             <a:endParaRPr lang="fr-FR"/>
           </a:p>
@@ -389,7 +389,7 @@
           <a:p>
             <a:fld id="{014ABEAC-8B63-4BD1-9569-A14EB8752A94}" type="datetimeFigureOut">
               <a:rPr lang="fr-FR" smtClean="0"/>
-              <a:t>20/07/2022</a:t>
+              <a:t>26/07/2022</a:t>
             </a:fld>
             <a:endParaRPr lang="fr-FR"/>
           </a:p>
@@ -2475,7 +2475,7 @@
             </a:r>
             <a:r>
               <a:rPr lang="fr-FR" sz="800" b="1" cap="none" dirty="0"/>
-              <a:t>de droit français présentant un risque de perte en capital partielle ou totale en cours de vie et à l’échéance</a:t>
+              <a:t>de droit anglais présentant un risque de perte en capital partielle ou totale en cours de vie et à l’échéance</a:t>
             </a:r>
             <a:r>
               <a:rPr lang="fr-FR" sz="800" b="1" cap="none" baseline="30000" dirty="0"/>
@@ -3121,7 +3121,7 @@
                   <a:schemeClr val="tx2"/>
                 </a:solidFill>
               </a:rPr>
-              <a:t> B.V. : Standard &amp; Poor’s : A+. BNP Paribas S.A. : Standard &amp; Poor’s : A+ / Moody’s : Aa3 / Fitch : AA-. Notations en vigueur au moment de la rédaction de la présente brochure, le 25 juillet 2022. Ces notations peuvent être révisées à tout moment et ne sont pas une garantie de solvabilité de l’Émetteur ni du Garant de la formule. Elles ne sauraient constituer un argument de souscription au produit.</a:t>
+              <a:t> B.V. : Standard &amp; Poor’s : A+. BNP Paribas S.A. : Standard &amp; Poor’s : A+ / Moody’s : Aa3 / Fitch : AA-. Notations en vigueur au moment de la rédaction de la présente brochure, le 27 juillet 2022. Ces notations peuvent être révisées à tout moment et ne sont pas une garantie de solvabilité de l’Émetteur ni du Garant de la formule. Elles ne sauraient constituer un argument de souscription au produit.</a:t>
             </a:r>
           </a:p>
         </p:txBody>
@@ -3385,17 +3385,14 @@
               <a:rPr lang="fr-FR" sz="1200" cap="none" dirty="0">
                 <a:latin typeface="Futura PT" panose="020B0902020204020203" pitchFamily="34" charset="0"/>
               </a:rPr>
-              <a:t>ZOOM SUR </a:t>
-            </a:r>
-            <a:r>
-              <a:rPr lang="fr-FR" sz="1200" cap="none" dirty="0">
-                <a:solidFill>
-                  <a:srgbClr val="B9A049"/>
-                </a:solidFill>
-                <a:latin typeface="Futura PT" panose="020B0902020204020203" pitchFamily="34" charset="0"/>
-              </a:rPr>
-              <a:t>BOUYGUES SA </a:t>
-            </a:r>
+              <a:t>ZOOM SUR BOUYGUES SA</a:t>
+            </a:r>
+            <a:endParaRPr lang="fr-FR" sz="1200" cap="none" dirty="0">
+              <a:solidFill>
+                <a:srgbClr val="B9A049"/>
+              </a:solidFill>
+              <a:latin typeface="Futura PT" panose="020B0902020204020203" pitchFamily="34" charset="0"/>
+            </a:endParaRPr>
           </a:p>
         </p:txBody>
       </p:sp>
@@ -3780,7 +3777,7 @@
                         <a:defRPr sz="700"/>
                       </a:pPr>
                       <a:r>
-                        <a:t>Performances au 24/07/2022</a:t>
+                        <a:t>Performances au 26/07/2022</a:t>
                       </a:r>
                     </a:p>
                   </a:txBody>
@@ -4062,7 +4059,7 @@
                         <a:defRPr sz="700"/>
                       </a:pPr>
                       <a:r>
-                        <a:t>BOUYGUES SA</a:t>
+                        <a:t> BOUYGUES SA</a:t>
                       </a:r>
                     </a:p>
                   </a:txBody>
@@ -4102,7 +4099,7 @@
                         <a:defRPr sz="700"/>
                       </a:pPr>
                       <a:r>
-                        <a:t>-5,11%</a:t>
+                        <a:t>-4,73%</a:t>
                       </a:r>
                     </a:p>
                   </a:txBody>
@@ -4142,7 +4139,7 @@
                         <a:defRPr sz="700"/>
                       </a:pPr>
                       <a:r>
-                        <a:t>6,13%</a:t>
+                        <a:t>5,79%</a:t>
                       </a:r>
                     </a:p>
                   </a:txBody>
@@ -4182,7 +4179,7 @@
                         <a:defRPr sz="700"/>
                       </a:pPr>
                       <a:r>
-                        <a:t>4,25%</a:t>
+                        <a:t>5,37%</a:t>
                       </a:r>
                     </a:p>
                   </a:txBody>
@@ -4222,7 +4219,7 @@
                         <a:defRPr sz="700"/>
                       </a:pPr>
                       <a:r>
-                        <a:t>151,64%</a:t>
+                        <a:t>154,41%</a:t>
                       </a:r>
                     </a:p>
                   </a:txBody>
@@ -4262,7 +4259,7 @@
                         <a:defRPr sz="700"/>
                       </a:pPr>
                       <a:r>
-                        <a:t>72,66%</a:t>
+                        <a:t>73,55%</a:t>
                       </a:r>
                     </a:p>
                   </a:txBody>
@@ -4570,7 +4567,7 @@
               <a:rPr lang="fr-FR" sz="1200" cap="none" dirty="0">
                 <a:latin typeface="Futura PT" panose="020B0902020204020203" pitchFamily="34" charset="0"/>
               </a:rPr>
-              <a:t>ÉVOLUTION DES ACTIONS </a:t>
+              <a:t>ÉVOLUTION DE L'ACTION </a:t>
             </a:r>
             <a:r>
               <a:rPr lang="fr-FR" sz="1200" cap="none" dirty="0">
@@ -4579,7 +4576,7 @@
                 </a:solidFill>
                 <a:latin typeface="Futura PT" panose="020B0902020204020203" pitchFamily="34" charset="0"/>
               </a:rPr>
-              <a:t>BOUYGUES SA</a:t>
+              <a:t> BOUYGUES SA</a:t>
             </a:r>
             <a:r>
               <a:rPr lang="fr-FR" sz="1200" cap="none" dirty="0">
@@ -4595,7 +4592,7 @@
                 <a:effectLst/>
                 <a:latin typeface="+mj-lt"/>
               </a:rPr>
-              <a:t>24/07/2010</a:t>
+              <a:t>26/07/2010</a:t>
             </a:r>
             <a:r>
               <a:rPr lang="en-US" sz="1200" dirty="0">
@@ -4604,20 +4601,26 @@
               <a:t> </a:t>
             </a:r>
             <a:r>
-              <a:rPr lang="fr-FR" sz="1200" cap="none" dirty="0">
+              <a:rPr lang="fr-FR" sz="1200" cap="none">
                 <a:latin typeface="Futura PT" panose="020B0902020204020203" pitchFamily="34" charset="0"/>
               </a:rPr>
               <a:t>ET LE </a:t>
             </a:r>
             <a:r>
-              <a:rPr lang="fr-FR" sz="1200" cap="none" dirty="0">
+              <a:rPr lang="fr-FR" sz="1200" cap="none">
                 <a:solidFill>
                   <a:srgbClr val="B9A049"/>
                 </a:solidFill>
                 <a:latin typeface="Futura PT" panose="020B0902020204020203" pitchFamily="34" charset="0"/>
               </a:rPr>
-              <a:t>24/07/2022</a:t>
-            </a:r>
+              <a:t>26/07/2022</a:t>
+            </a:r>
+            <a:endParaRPr lang="fr-FR" sz="1200" cap="none" dirty="0">
+              <a:solidFill>
+                <a:srgbClr val="B9A049"/>
+              </a:solidFill>
+              <a:latin typeface="Futura PT" panose="020B0902020204020203" pitchFamily="34" charset="0"/>
+            </a:endParaRPr>
           </a:p>
         </p:txBody>
       </p:sp>
@@ -4989,7 +4992,7 @@
             </a:r>
             <a:r>
               <a:rPr lang="fr-FR" sz="650" dirty="0"/>
-              <a:t> B.V. : Standard &amp; Poor’s A+. BNP Paribas : Standard &amp; Poor’s A+ / Moody’s Aa3 / Fitch AA-. Notations en vigueur au moment de la rédaction de la présente brochure, le 25 juillet 2022, qui ne sauraient ni être une garantie de solvabilité de l’Émetteur et du Garant de la formule, ni constituer un argument de souscription au produit. Les agences de notation peuvent les modifier à tout moment. </a:t>
+              <a:t> B.V. : Standard &amp; Poor’s A+. BNP Paribas : Standard &amp; Poor’s A+ / Moody’s Aa3 / Fitch AA-. Notations en vigueur au moment de la rédaction de la présente brochure, le 27 juillet 2022, qui ne sauraient ni être une garantie de solvabilité de l’Émetteur et du Garant de la formule, ni constituer un argument de souscription au produit. Les agences de notation peuvent les modifier à tout moment. </a:t>
             </a:r>
             <a:endParaRPr lang="fr-FR" sz="650" i="1" dirty="0">
               <a:latin typeface="Proxima Nova Rg" panose="02000506030000020004" pitchFamily="2" charset="0"/>
@@ -5305,7 +5308,7 @@
                     <a:lstStyle/>
                     <a:p>
                       <a:r>
-                        <a:t>EMTN (Euro Medium Term Note), Titre de créance de droit français présentant un risque de perte en capital en cours de vie et à l’échéance. Bien que la formule de remboursement et le paiement des sommes dues par l’Émetteur au titre du produit soient garanties par BNP Paribas SA(1), le produit présente un risque de perte en capital à hauteur de l’intégralité de la baisse enregistrée par le panier équipondéré.</a:t>
+                        <a:t>EMTN (Euro Medium Term Note), Titre de créance de droit français présentant un risque de perte en capital en cours de vie et à l’échéance. Bien que la formule de remboursement et le paiement des sommes dues par l’Émetteur au titre du produit soient garanties par BNP Paribas SA(1), le produit présente un risque de perte en capital à hauteur de l’intégralité de la baisse enregistrée par l’action.</a:t>
                       </a:r>
                     </a:p>
                   </a:txBody>
@@ -5973,7 +5976,7 @@
                         <a:defRPr sz="700"/>
                       </a:pPr>
                       <a:r>
-                        <a:t>le panier équipondéré entre Bouygues SA (dividendes non réinvestis ; code Bloomberg : EN FP Equity ; place de cotation : sponsorEuronext Paris SA ; www.bouygues.com).</a:t>
+                        <a:t>l’action entre Bouygues SA ( dividendes non réinvestis ; code Bloomberg : EN FP Equity ; place de cotation : sponsor Euronext Paris SA ; www.bouygues.com).</a:t>
                       </a:r>
                     </a:p>
                   </a:txBody>
@@ -7572,7 +7575,7 @@
                         <a:defRPr sz="700"/>
                       </a:pPr>
                       <a:r>
-                        <a:t>Le Niveau initial correspond au niveaux de clôture entre du panier équipondéré Bouygues SA le 29/07/2022.</a:t>
+                        <a:t>Le Cours Initial correspond au cours de clôture entre de l'action Bouygues SA le 29/07/2022.</a:t>
                       </a:r>
                     </a:p>
                   </a:txBody>
@@ -7972,7 +7975,7 @@
                         <a:defRPr sz="700"/>
                       </a:pPr>
                       <a:r>
-                        <a:t>Dates de constatation quotidienne</a:t>
+                        <a:t>Dates de constatation trimestrielle</a:t>
                       </a:r>
                     </a:p>
                   </a:txBody>
@@ -8039,7 +8042,7 @@
                         <a:defRPr sz="700"/>
                       </a:pPr>
                       <a:r>
-                        <a:t>Chaque jour de bourse entre le 29 juillet 2023 (inclus) et le 29 juillet 2032.</a:t>
+                        <a:t>31/07/2023, 30/10/2023, 29/01/2024, 29/04/2024, 29/07/2024, 29/10/2024, 29/01/2025, 29/04/2025, 29/07/2025, 29/10/2025, 29/01/2026, 29/04/2026, 29/07/2026, 29/10/2026, 29/01/2027, 29/04/2027, 29/07/2027, 29/10/2027, 31/01/2028, 02/05/2028, 31/07/2028, 30/10/2028, 29/01/2029, 30/04/2029, 30/07/2029, 29/10/2029, 29/01/2030, 29/04/2030, 29/07/2030, 29/10/2030, 29/01/2031, 29/04/2031, 29/07/2031, 29/10/2031, 29/01/2032, 29/04/2032, 29/07/2032, 29/07/2032</a:t>
                       </a:r>
                     </a:p>
                   </a:txBody>
@@ -8202,7 +8205,7 @@
                         <a:defRPr sz="700"/>
                       </a:pPr>
                       <a:r>
-                        <a:t>Le 5e jour ouvré suivant la date de constatation quotidienne.</a:t>
+                        <a:t>07/08/2023, 06/11/2023, 05/02/2024, 07/05/2024, 05/08/2024, 05/11/2024, 05/02/2025, 07/05/2025, 05/08/2025, 05/11/2025, 05/02/2026, 07/05/2026, 05/08/2026, 05/11/2026, 05/02/2027, 06/05/2027, 05/08/2027, 05/11/2027, 07/02/2028, 09/05/2028, 07/08/2028, 06/11/2028, 05/02/2029, 08/05/2029, 06/08/2029, 05/11/2029, 05/02/2030, 07/05/2030, 05/08/2030, 05/11/2030, 05/02/2031, 07/05/2031, 05/08/2031, 05/11/2031, 05/02/2032, 06/05/2032</a:t>
                       </a:r>
                     </a:p>
                   </a:txBody>
@@ -8365,7 +8368,7 @@
                         <a:defRPr sz="700"/>
                       </a:pPr>
                       <a:r>
-                        <a:t>100% du Niveau initial du panier équipondéré</a:t>
+                        <a:t>100% du Cours Initial de l'action</a:t>
                       </a:r>
                     </a:p>
                   </a:txBody>
@@ -8528,7 +8531,7 @@
                         <a:defRPr sz="700"/>
                       </a:pPr>
                       <a:r>
-                        <a:t>100% de son Niveau initial</a:t>
+                        <a:t>100% de son Cours Initial</a:t>
                       </a:r>
                     </a:p>
                   </a:txBody>
@@ -8691,7 +8694,7 @@
                         <a:defRPr sz="700"/>
                       </a:pPr>
                       <a:r>
-                        <a:t>70% du Niveau initial du panier équipondéré</a:t>
+                        <a:t>50% du Cours Initial de l'action</a:t>
                       </a:r>
                     </a:p>
                   </a:txBody>
@@ -11841,7 +11844,7 @@
                 </a:solidFill>
                 <a:latin typeface="Proxima Nova Rg" panose="02000506030000020004" pitchFamily="2" charset="0"/>
               </a:rPr>
-              <a:t> selon les scénarios. Une sortie anticipée à l’initiative de l’investisseur se fera à un niveau dépendant de l’évolution des paramètres de marché au moment de la sortie (niveau du panier équipondéré, des taux d’intérêt, de la volatilité et des primes de risque de crédit notamment) et pourra donc entraîner un risque de perte en capital.</a:t>
+              <a:t> selon les scénarios. Une sortie anticipée à l’initiative de l’investisseur se fera à un cours dépendant de l’évolution des paramètres de marché au moment de la sortie (cours de l'action, des taux d’intérêt, de la volatilité et des primes de risque de crédit notamment) et pourra donc entraîner un risque de perte en capital.</a:t>
             </a:r>
           </a:p>
         </p:txBody>
@@ -12375,7 +12378,7 @@
         <p:spPr>
           <a:xfrm>
             <a:off x="458462" y="974579"/>
-            <a:ext cx="6741374" cy="3539430"/>
+            <a:ext cx="6741374" cy="3513782"/>
           </a:xfrm>
           <a:prstGeom prst="rect">
             <a:avLst/>
@@ -12797,7 +12800,7 @@
                 </a:solidFill>
                 <a:latin typeface="Proxima Nova Rg"/>
               </a:rPr>
-              <a:t> de 1 à 10 ans </a:t>
+              <a:t>de 4 à 40 trimestres </a:t>
             </a:r>
             <a:r>
               <a:rPr kumimoji="0" lang="fr-FR" sz="800" b="1" i="0" u="none" strike="noStrike" kern="1200" cap="none" spc="0" normalizeH="0" baseline="0" noProof="0" dirty="0">
@@ -12814,7 +12817,7 @@
                 <a:ea typeface="+mn-ea"/>
                 <a:cs typeface="+mn-cs"/>
               </a:rPr>
-              <a:t>à l’évolution des actions</a:t>
+              <a:t>à l’évolution de l'action</a:t>
             </a:r>
             <a:r>
               <a:rPr lang="fr-FR" sz="800" b="1" dirty="0">
@@ -12840,7 +12843,7 @@
                 <a:ea typeface="+mn-ea"/>
                 <a:cs typeface="+mn-cs"/>
               </a:rPr>
-              <a:t>Bouygues SA, la performance positive ou négative de ce placement dépendant de l'évolution du panier équipondéré Bouygues SA (dividendes non réinvestis ; code Bloomberg : EN FP Equity ; place de cotation : Euronext Paris SA ; www.bouygues.com).</a:t>
+              <a:t>Bouygues SA et Bouygues SA, la performance positive ou négative de ce placement dépendant de l'évolution de de l'action Bouygues SA (dividendes non réinvestis; code Bloomberg : EN FP Equity; place de cotation : Euronext Paris SA; www.bouygues.com).</a:t>
             </a:r>
             <a:endParaRPr kumimoji="0" lang="fr-FR" sz="800" b="1" i="0" u="none" strike="noStrike" kern="1200" cap="none" spc="0" normalizeH="0" baseline="0" noProof="0" dirty="0">
               <a:ln>
@@ -12924,7 +12927,7 @@
                 <a:ea typeface="+mn-ea"/>
                 <a:cs typeface="+mn-cs"/>
               </a:rPr>
-              <a:t> à hauteur de l’intégralité de la baisse enregistrée par le panier équipondéré </a:t>
+              <a:t> à hauteur de l’intégralité de la baisse enregistrée par l’action </a:t>
             </a:r>
             <a:r>
               <a:rPr kumimoji="0" lang="fr-FR" sz="800" b="0" i="0" u="none" strike="noStrike" kern="1200" cap="none" spc="0" normalizeH="0" baseline="0" noProof="0" dirty="0">
@@ -12938,7 +12941,7 @@
                 <a:ea typeface="+mn-ea"/>
                 <a:cs typeface="+mn-cs"/>
               </a:rPr>
-              <a:t>si celui-ci, à la date de constatation finale</a:t>
+              <a:t>si celle-ci, à la date de constatation finale</a:t>
             </a:r>
             <a:r>
               <a:rPr kumimoji="0" lang="fr-FR" sz="800" b="0" i="0" u="none" strike="noStrike" kern="1200" cap="none" spc="0" normalizeH="0" baseline="30000" noProof="0" dirty="0">
@@ -12966,7 +12969,7 @@
                 <a:ea typeface="+mn-ea"/>
                 <a:cs typeface="+mn-cs"/>
               </a:rPr>
-              <a:t>, clôture à un niveau strictement inférieur à 70% de son Niveau initial.</a:t>
+              <a:t>, clôture à un cours strictement inférieur à 50% de son Cours Initial.</a:t>
             </a:r>
           </a:p>
           <a:p>
@@ -13002,7 +13005,7 @@
                 <a:ea typeface="+mn-ea"/>
                 <a:cs typeface="+mn-cs"/>
               </a:rPr>
-              <a:t>… avec un mécanisme de remboursement anticipé à hauteur de l’intégralité du capital initial, activable automatiquement chaque jour de bourse, du 29/07/2023 (inclus) jusqu'à la date de constatation finale (exclue) </a:t>
+              <a:t>… avec un mécanisme de remboursement anticipé à hauteur de l’intégralité du capital initial, activable automatiquement à partir de la fin du trimestre 4 jusqu'à la fin du trimestre 39 </a:t>
             </a:r>
             <a:r>
               <a:rPr kumimoji="0" lang="fr-FR" sz="800" b="0" i="0" u="none" strike="noStrike" kern="1200" cap="none" spc="0" normalizeH="0" baseline="0" noProof="0" dirty="0">
@@ -13016,7 +13019,7 @@
                 <a:ea typeface="+mn-ea"/>
                 <a:cs typeface="+mn-cs"/>
               </a:rPr>
-              <a:t>si à une date de constatation quotidienne</a:t>
+              <a:t>si à une date de constatation trimestrielle</a:t>
             </a:r>
             <a:r>
               <a:rPr kumimoji="0" lang="fr-FR" sz="800" b="0" i="0" u="none" strike="noStrike" kern="1200" cap="none" spc="0" normalizeH="0" baseline="30000" noProof="0" dirty="0">
@@ -13058,7 +13061,7 @@
                 <a:ea typeface="+mn-ea"/>
                 <a:cs typeface="+mn-cs"/>
               </a:rPr>
-              <a:t>le panier équipondéré clôture à un niveau supérieur </a:t>
+              <a:t>l’action clôture à un cours supérieur </a:t>
             </a:r>
             <a:r>
               <a:rPr kumimoji="0" lang="fr-FR" sz="800" b="0" i="0" u="none" strike="noStrike" kern="1200" cap="none" spc="0" normalizeH="0" baseline="0" noProof="0" dirty="0">
@@ -13072,7 +13075,7 @@
                 <a:ea typeface="+mn-ea"/>
                 <a:cs typeface="+mn-cs"/>
               </a:rPr>
-              <a:t>ou égal à 100% de son Niveau initial.</a:t>
+              <a:t>ou égal à 100% de son Cours Initial.</a:t>
             </a:r>
           </a:p>
           <a:p>
@@ -13142,7 +13145,7 @@
                 <a:ea typeface="+mn-ea"/>
                 <a:cs typeface="+mn-cs"/>
               </a:rPr>
-              <a:t>avec un objectif de gain fixe plafonné à 1,00% environ par jour calendaire depuis le 29/07/2022 (exclu) soit (36,50% par année écoulée)</a:t>
+              <a:t>avec un objectif de gain fixe plafonné à 1,00% par trimestre écoulé depuis le 29/07/2022 soit (4,00% par année écoulée)</a:t>
             </a:r>
             <a:r>
               <a:rPr lang="fr-FR" sz="800" b="1" dirty="0">
@@ -13165,7 +13168,7 @@
                 <a:ea typeface="+mn-ea"/>
                 <a:cs typeface="+mn-cs"/>
               </a:rPr>
-              <a:t>si, à une date de constatation quotidienne</a:t>
+              <a:t>si, à une date de constatation trimestrielle</a:t>
             </a:r>
             <a:r>
               <a:rPr kumimoji="0" lang="fr-FR" sz="800" b="0" i="0" u="none" strike="noStrike" kern="1200" cap="none" spc="0" normalizeH="0" baseline="30000" noProof="0" dirty="0">
@@ -13207,7 +13210,7 @@
                 <a:ea typeface="+mn-ea"/>
                 <a:cs typeface="+mn-cs"/>
               </a:rPr>
-              <a:t>le panier équipondéré clôture à un niveau supérieur </a:t>
+              <a:t>l’action clôture à un cours supérieur </a:t>
             </a:r>
             <a:r>
               <a:rPr kumimoji="0" lang="fr-FR" sz="800" b="0" i="0" u="none" strike="noStrike" kern="1200" cap="none" spc="0" normalizeH="0" baseline="0" noProof="0" dirty="0">
@@ -13221,10 +13224,24 @@
                 <a:ea typeface="+mn-ea"/>
                 <a:cs typeface="+mn-cs"/>
               </a:rPr>
-              <a:t>ou égal à 100% de son Niveau initial </a:t>
-            </a:r>
-            <a:r>
-              <a:rPr kumimoji="0" lang="fr-FR" sz="800" b="0" i="0" u="none" strike="noStrike" kern="1200" cap="none" spc="0" normalizeH="0" baseline="0" noProof="0" dirty="0">
+              <a:t>ou égal à 100% de son Cours Initial </a:t>
+            </a:r>
+            <a:r>
+              <a:rPr kumimoji="0" lang="fr-FR" sz="800" b="0" i="0" u="none" strike="noStrike" kern="1200" cap="none" spc="0" normalizeH="0" baseline="0" noProof="0">
+                <a:ln>
+                  <a:noFill/>
+                </a:ln>
+                <a:effectLst/>
+                <a:uLnTx/>
+                <a:uFillTx/>
+                <a:latin typeface="Proxima Nova Rg"/>
+                <a:ea typeface="+mn-ea"/>
+                <a:cs typeface="+mn-cs"/>
+              </a:rPr>
+              <a:t/>
+            </a:r>
+            <a:r>
+              <a:rPr kumimoji="0" lang="fr-FR" sz="800" b="0" i="0" u="none" strike="noStrike" kern="1200" cap="none" spc="0" normalizeH="0" baseline="0" noProof="0">
                 <a:ln>
                   <a:noFill/>
                 </a:ln>
@@ -13244,18 +13261,18 @@
               <a:effectLst/>
               <a:uLnTx/>
               <a:uFillTx/>
-              <a:latin typeface="Proxima Nova Rg"/>
+              <a:latin typeface="Proxima Nova Rg" panose="02000506030000020004" pitchFamily="2" charset="0"/>
               <a:ea typeface="+mn-ea"/>
               <a:cs typeface="+mn-cs"/>
             </a:endParaRPr>
           </a:p>
           <a:p>
-            <a:pPr marL="0" marR="0" lvl="1" indent="0" algn="just" defTabSz="755934" rtl="0" eaLnBrk="1" fontAlgn="auto" latinLnBrk="0" hangingPunct="1">
+            <a:pPr marL="0" marR="0" lvl="2" indent="0" algn="just" defTabSz="755934" rtl="0" eaLnBrk="1" fontAlgn="auto" latinLnBrk="0" hangingPunct="1">
               <a:lnSpc>
                 <a:spcPct val="90000"/>
               </a:lnSpc>
               <a:spcBef>
-                <a:spcPts val="600"/>
+                <a:spcPts val="400"/>
               </a:spcBef>
               <a:spcAft>
                 <a:spcPts val="200"/>
@@ -13282,7 +13299,7 @@
                 <a:ea typeface="+mn-ea"/>
                 <a:cs typeface="+mn-cs"/>
               </a:rPr>
-              <a:t>La perte en capital peut être totale si le panier équipondéré a une valeur nulle à la date de constatation finale</a:t>
+              <a:t>La perte en capital peut être totale si l’action a une valeur nulle à la date de constatation finale</a:t>
             </a:r>
             <a:r>
               <a:rPr kumimoji="0" lang="fr-FR" sz="800" b="1" i="0" u="none" strike="noStrike" kern="1200" cap="none" spc="0" normalizeH="0" baseline="30000" noProof="0" dirty="0">
@@ -13403,7 +13420,7 @@
                 <a:ea typeface="+mn-ea"/>
                 <a:cs typeface="+mn-cs"/>
               </a:rPr>
-              <a:t> si le panier équipondéré</a:t>
+              <a:t> si l’action</a:t>
             </a:r>
             <a:r>
               <a:rPr kumimoji="0" lang="it-IT" sz="800" b="0" i="0" u="none" strike="noStrike" kern="1200" cap="none" spc="0" normalizeH="0" baseline="0" noProof="0" dirty="0">
@@ -13437,7 +13454,7 @@
                 <a:ea typeface="+mn-ea"/>
                 <a:cs typeface="+mn-cs"/>
               </a:rPr>
-              <a:t>n’enregistre pas de baisse de plus de 30% par rapport à son Niveau initial, l’investisseur accepte de limiter ses gains en cas de forte hausse du panier équipondéré (taux de rendement annuel net maximum de </a:t>
+              <a:t>n’enregistre pas de baisse de plus de 50% par rapport à son Cours Initial, l’investisseur accepte de limiter ses gains en cas de forte hausse de l'action (taux de rendement annuel net maximum de </a:t>
             </a:r>
             <a:r>
               <a:rPr lang="fr-FR" sz="800" dirty="0">
@@ -13446,7 +13463,7 @@
                 </a:solidFill>
                 <a:latin typeface="Proxima Nova Rg"/>
               </a:rPr>
-              <a:t>352,74%</a:t>
+              <a:t>2,92%</a:t>
             </a:r>
             <a:r>
               <a:rPr lang="fr-FR" sz="800" baseline="30000" dirty="0">
@@ -13612,7 +13629,7 @@
                 <a:ea typeface="+mn-ea"/>
                 <a:cs typeface="+mn-cs"/>
               </a:rPr>
-              <a:t> « kopkpopok » ne peut constituer l’intégralité d’un portefeuille d’investissement. L’investisseur est exposé pour une durée de 1 à 10 ans à </a:t>
+              <a:t> « kopkpopok » ne peut constituer l’intégralité d’un portefeuille d’investissement. L’investisseur est exposé pour une durée de 4 à 40 trimestres à </a:t>
             </a:r>
             <a:r>
               <a:rPr lang="fr-FR" b="1" i="1" dirty="0">
@@ -13621,7 +13638,7 @@
                 </a:solidFill>
                 <a:latin typeface="Proxima Nova Rg"/>
               </a:rPr>
-              <a:t>le panier équipondéré, et ne bénéficie pas de la diversification offerte par les indices de marchés actions. Vous </a:t>
+              <a:t>l’action, et ne bénéficie pas de la diversification offerte par les indices de marchés actions. Vous </a:t>
             </a:r>
             <a:r>
               <a:rPr kumimoji="0" lang="fr-FR" b="1" i="1" u="none" strike="noStrike" kern="1200" cap="none" spc="0" normalizeH="0" baseline="0" noProof="0" dirty="0">
@@ -13849,7 +13866,7 @@
                 </a:solidFill>
                 <a:latin typeface="Proxima Nova Rg" panose="02000506030000020004" pitchFamily="2" charset="0"/>
               </a:rPr>
-              <a:t> selon les scénarios. Une sortie anticipée à l’initiative de l’investisseur se fera à un niveau dépendant de l’évolution des paramètres de marché au moment de la sortie (niveau du panier équipondéré, des taux d’intérêt, de la volatilité et des primes de risque de crédit notamment) et pourra donc entraîner un risque de perte en capital.</a:t>
+              <a:t> selon les scénarios. Une sortie anticipée à l’initiative de l’investisseur se fera à un cours dépendant de l’évolution des paramètres de marché au moment de la sortie (cours de l'action, des taux d’intérêt, de la volatilité et des primes de risque de crédit notamment) et pourra donc entraîner un risque de perte en capital.</a:t>
             </a:r>
           </a:p>
         </p:txBody>
@@ -14349,7 +14366,7 @@
             </a:pPr>
             <a:r>
               <a:rPr lang="fr-FR" sz="800" dirty="0"/>
-              <a:t>Un gain de 1,00% environ environ par jour calendaire depuis le 29/07/2022 (exclu)</a:t>
+              <a:t>Un gain de 1,00% par trimestre écoulé depuis le 29/07/2022</a:t>
             </a:r>
           </a:p>
           <a:p>
@@ -14364,7 +14381,7 @@
             </a:pPr>
             <a:r>
               <a:rPr lang="fr-FR" sz="800" dirty="0"/>
-              <a:t>(soit un gain total de 3653,00% et un taux de rendement annuel net de 42,16%</a:t>
+              <a:t>(soit un gain total de 40,00% et un taux de rendement annuel net de 2,38%</a:t>
             </a:r>
             <a:r>
               <a:rPr lang="fr-FR" sz="800" baseline="30000" dirty="0"/>
@@ -14616,7 +14633,7 @@
             </a:pPr>
             <a:r>
               <a:rPr lang="fr-FR" sz="800" dirty="0"/>
-              <a:t>Un gain de 1,00% par jour calendaire depuis le 29/07/2022 (exclu) </a:t>
+              <a:t>Un gain de 1,00% par trimestre écoulé depuis le 29/07/2022 </a:t>
             </a:r>
           </a:p>
           <a:p>
@@ -14631,7 +14648,7 @@
             </a:pPr>
             <a:r>
               <a:rPr lang="fr-FR" sz="800" dirty="0"/>
-              <a:t>(Soit un taux de rendement annuel net entre 55,60%</a:t>
+              <a:t>(Soit un taux de rendement annuel net entre 3,15%</a:t>
             </a:r>
             <a:r>
               <a:rPr lang="fr-FR" sz="800" baseline="30000" dirty="0"/>
@@ -14639,7 +14656,7 @@
             </a:r>
             <a:r>
               <a:rPr lang="fr-FR" sz="800" dirty="0"/>
-              <a:t>et 352,74%</a:t>
+              <a:t>et 2,92%</a:t>
             </a:r>
             <a:r>
               <a:rPr lang="fr-FR" sz="800" baseline="30000" dirty="0"/>
@@ -14687,7 +14704,7 @@
                   <a:schemeClr val="tx2"/>
                 </a:solidFill>
               </a:rPr>
-              <a:t>À chaque date de constatation quotidienne</a:t>
+              <a:t>À chaque date de constatation trimestrielle</a:t>
             </a:r>
             <a:r>
               <a:rPr lang="fr-FR" sz="800" baseline="30000" dirty="0">
@@ -14703,7 +14720,7 @@
                   <a:schemeClr val="tx2"/>
                 </a:solidFill>
               </a:rPr>
-              <a:t>chaque jour de bourse, du 29/07/2023 (inclus) jusqu'à la date de constatation finale (exclue), on observe le niveau de clôture du panier équipondéré</a:t>
+              <a:t>à partir de la fin du trimestre 4 jusqu'à la fin du trimestre 39, on observe le cours de clôture de l'action</a:t>
             </a:r>
             <a:r>
               <a:rPr lang="en-US" sz="800" dirty="0">
@@ -14746,7 +14763,7 @@
                   <a:schemeClr val="tx2"/>
                 </a:solidFill>
               </a:rPr>
-              <a:t>Si, à une date de constatation quotidienne</a:t>
+              <a:t>Si, à une date de constatation trimestrielle</a:t>
             </a:r>
             <a:r>
               <a:rPr lang="fr-FR" sz="800" b="1" baseline="30000" dirty="0">
@@ -14770,7 +14787,7 @@
                   <a:schemeClr val="tx2"/>
                 </a:solidFill>
               </a:rPr>
-              <a:t>le panier équipondéré </a:t>
+              <a:t>l’action </a:t>
             </a:r>
             <a:r>
               <a:rPr lang="fr-FR" sz="800" b="1" dirty="0">
@@ -14778,7 +14795,7 @@
                   <a:schemeClr val="tx2"/>
                 </a:solidFill>
               </a:rPr>
-              <a:t>clôture à un niveau supérieur ou égal à 100% de son Niveau initial, le produit est automatiquement remboursé par anticipation et l’investisseur reçoit, à la date de remboursement anticipé automatique correspondante</a:t>
+              <a:t>clôture à un cours supérieur ou égal à 100% de son Cours Initial, le produit est automatiquement remboursé par anticipation et l’investisseur reçoit, à la date de remboursement anticipé automatique correspondante</a:t>
             </a:r>
             <a:r>
               <a:rPr lang="fr-FR" sz="800" b="1" baseline="30000" dirty="0">
@@ -15038,7 +15055,7 @@
                   <a:schemeClr val="tx2"/>
                 </a:solidFill>
               </a:rPr>
-              <a:t>À la date de constatation finale, le 29 juillet 2032, en l’absence de remboursement anticipé automatique préalable, on compare le niveau de clôture du panier équipondéré</a:t>
+              <a:t>À la date de constatation finale, le 29 juillet 2032, en l’absence de remboursement anticipé automatique préalable, on compare le cours de clôture de l'action</a:t>
             </a:r>
             <a:r>
               <a:rPr lang="en-US" sz="800" dirty="0">
@@ -15054,7 +15071,7 @@
                   <a:schemeClr val="tx2"/>
                 </a:solidFill>
               </a:rPr>
-              <a:t>à son Niveau initial :</a:t>
+              <a:t>à son Cours Initial :</a:t>
             </a:r>
           </a:p>
         </p:txBody>
@@ -15110,7 +15127,7 @@
                   <a:schemeClr val="tx2"/>
                 </a:solidFill>
               </a:rPr>
-              <a:t>le panier équipondéré </a:t>
+              <a:t>l’action </a:t>
             </a:r>
             <a:r>
               <a:rPr lang="fr-FR" sz="800" b="1" dirty="0">
@@ -15118,7 +15135,7 @@
                   <a:schemeClr val="tx2"/>
                 </a:solidFill>
               </a:rPr>
-              <a:t>clôture à un niveau supérieur ou égal à 100% de son Niveau initial, l’investisseur reçoit, le 02 août 2032</a:t>
+              <a:t>clôture à un cours supérieur ou égal à 80% de son Cours Initial, l’investisseur reçoit, le 02 août 2032</a:t>
             </a:r>
             <a:r>
               <a:rPr lang="fr-FR" sz="800" b="1" baseline="30000" dirty="0">
@@ -15190,7 +15207,7 @@
                   <a:schemeClr val="tx2"/>
                 </a:solidFill>
               </a:rPr>
-              <a:t>le panier équipondéré </a:t>
+              <a:t>l’action </a:t>
             </a:r>
             <a:r>
               <a:rPr lang="fr-FR" sz="800" b="1" dirty="0">
@@ -15198,7 +15215,7 @@
                   <a:schemeClr val="tx2"/>
                 </a:solidFill>
               </a:rPr>
-              <a:t>clôture à un niveau strictement inférieur à 70% de son niveau de son </a:t>
+              <a:t>clôture à un cours strictement inférieur à 50% de son cours de son </a:t>
             </a:r>
             <a:r>
               <a:rPr lang="fr-FR" sz="800" b="1">
@@ -15206,7 +15223,7 @@
                   <a:schemeClr val="tx2"/>
                 </a:solidFill>
               </a:rPr>
-              <a:t>Niveau initial, l’investisseur </a:t>
+              <a:t>Cours Initial, l’investisseur </a:t>
             </a:r>
             <a:r>
               <a:rPr lang="fr-FR" sz="800" b="1" dirty="0">
@@ -15443,7 +15460,7 @@
             </a:pPr>
             <a:r>
               <a:rPr lang="fr-FR" sz="800" dirty="0"/>
-              <a:t>par le panier équipondéré entre son Niveau initial et son niveau final le 29/07/2032</a:t>
+              <a:t>par l’action entre son Cours Initial et son cours final le 29/07/2032</a:t>
             </a:r>
           </a:p>
           <a:p>
@@ -15458,7 +15475,7 @@
             </a:pPr>
             <a:r>
               <a:rPr lang="fr-FR" sz="800" dirty="0"/>
-              <a:t>(Soit un taux de rendement annuel net inférieur ou égal à -4,46%</a:t>
+              <a:t>(Soit un taux de rendement annuel net inférieur ou égal à -7,62%</a:t>
             </a:r>
             <a:r>
               <a:rPr lang="fr-FR" sz="800" baseline="30000" dirty="0"/>
@@ -15708,7 +15725,7 @@
                 <a:ea typeface="+mn-ea"/>
                 <a:cs typeface="+mn-cs"/>
               </a:rPr>
-              <a:t>Le Niveau initial correspond au niveaux de clôture entre du panier équipondéré Bouygues SA le 29/07/2022.</a:t>
+              <a:t>Le Cours Initial correspond au cours de clôture entre de l'action Bouygues SA le 29/07/2022.</a:t>
             </a:r>
             <a:endParaRPr lang="fr-FR" sz="800" i="0" kern="1200" dirty="0">
               <a:solidFill>
@@ -15924,7 +15941,7 @@
                 </a:solidFill>
                 <a:latin typeface="+mn-lt"/>
               </a:rPr>
-              <a:t>Détermination du Niveau initial</a:t>
+              <a:t>Détermination du Cours Initial</a:t>
             </a:r>
           </a:p>
         </p:txBody>
@@ -16374,7 +16391,7 @@
                   <a:schemeClr val="tx2"/>
                 </a:solidFill>
               </a:rPr>
-              <a:t>le panier équipondéré </a:t>
+              <a:t>l’action </a:t>
             </a:r>
             <a:r>
               <a:rPr lang="fr-FR" sz="800" b="1" dirty="0">
@@ -16382,7 +16399,7 @@
                   <a:srgbClr val="000000"/>
                 </a:solidFill>
               </a:rPr>
-              <a:t>clôture à un niveau strictement inférieur à 100% mais supérieur ou égal à 70% de son Niveau initial, l’investisseur reçoit, le 02 août 2032 : </a:t>
+              <a:t>clôture à un cours strictement inférieur à 80% mais supérieur ou égal à 50% de son Cours Initial, l’investisseur reçoit, le 02 août 2032 : </a:t>
             </a:r>
           </a:p>
         </p:txBody>
@@ -16575,7 +16592,7 @@
                 </a:solidFill>
                 <a:latin typeface="+mn-lt"/>
               </a:rPr>
-              <a:t> selon les scénarios. Une sortie anticipée à l’initiative de l’investisseur se fera à un niveau dépendant de l’évolution des paramètres de marché au moment de la sortie (niveau du panier équipondéré, des taux d’intérêt, de la volatilité et des primes de risque de crédit notamment) et pourra donc entraîner un risque de perte en capital.</a:t>
+              <a:t> selon les scénarios. Une sortie anticipée à l’initiative de l’investisseur se fera à un cours dépendant de l’évolution des paramètres de marché au moment de la sortie (cours de l'action, des taux d’intérêt, de la volatilité et des primes de risque de crédit notamment) et pourra donc entraîner un risque de perte en capital.</a:t>
             </a:r>
           </a:p>
         </p:txBody>
@@ -17041,7 +17058,7 @@
                   <a:srgbClr val="000000"/>
                 </a:solidFill>
               </a:rPr>
-              <a:t>chaque jour de bourse, du 29/07/2023 (inclus) jusqu'à la date de constatation finale (exclue), si à l’une des dates de constatation quotidienne correspondantes</a:t>
+              <a:t>à partir de la fin du trimestre 4 jusqu'à la fin du trimestre 39, si à l’une des dates de constatation trimestrielle correspondantes</a:t>
             </a:r>
             <a:r>
               <a:rPr lang="fr-FR" sz="800" baseline="30000" dirty="0">
@@ -17057,7 +17074,7 @@
                   <a:srgbClr val="000000"/>
                 </a:solidFill>
               </a:rPr>
-              <a:t> le panier équipondéré clôture à un niveau supérieur ou égal à 100% de son Niveau initial, </a:t>
+              <a:t> l’action clôture à un cours supérieur ou égal à 100% de son Cours Initial, </a:t>
             </a:r>
             <a:r>
               <a:rPr lang="fr-FR" sz="800" b="1" dirty="0">
@@ -17073,7 +17090,7 @@
                   <a:srgbClr val="000000"/>
                 </a:solidFill>
               </a:rPr>
-              <a:t>et l’investisseur récupère alors l’intégralité de son capital initial, majorée d’un gain de 1,00% environ par jour calendaire depuis le 29/07/2022 (exclu) (soit 36,50%</a:t>
+              <a:t>et l’investisseur récupère alors l’intégralité de son capital initial, majorée d’un gain de 1,00% par trimestre écoulé depuis le 29/07/2022 (soit 4,00%</a:t>
             </a:r>
             <a:r>
               <a:rPr lang="fr-FR" sz="800" i="1" dirty="0">
@@ -17089,7 +17106,7 @@
                   <a:srgbClr val="000000"/>
                 </a:solidFill>
               </a:rPr>
-              <a:t>par année écoulée et un taux de rendement annuel net maximum de 352,74%</a:t>
+              <a:t>par année écoulée et un taux de rendement annuel net maximum de 2,92%</a:t>
             </a:r>
             <a:r>
               <a:rPr lang="fr-FR" sz="800" baseline="30000" dirty="0">
@@ -17150,7 +17167,7 @@
                   <a:srgbClr val="000000"/>
                 </a:solidFill>
               </a:rPr>
-              <a:t>, si le mécanisme de remboursement anticipé n’a pas été activé au préalable, et si le panier équipondéré clôture à un niveau supérieur ou égal à 100% de son Niveau initial, l’investisseur récupère alors l’intégralité de son capital initial, majorée d’un gain de 1,00% environ par jour calendaire depuis le 29/07/2022 (exclu) (soit un gain de 3653,00% et un taux de rendement annuel net de 42,16%</a:t>
+              <a:t>, si le mécanisme de remboursement anticipé n’a pas été activé au préalable, et si l’action clôture à un cours supérieur ou égal à 80% de son Cours Initial, l’investisseur récupère alors l’intégralité de son capital initial, majorée d’un gain de 1,00% par trimestre écoulé depuis le 29/07/2022 (soit un gain de 40,00% et un taux de rendement annuel net de 2,38%</a:t>
             </a:r>
             <a:r>
               <a:rPr lang="fr-FR" sz="800" baseline="30000" dirty="0">
@@ -17186,7 +17203,7 @@
                   <a:srgbClr val="000000"/>
                 </a:solidFill>
               </a:rPr>
-              <a:t>Sinon, si le mécanisme automatique de remboursement anticipé n’a pas été activé au préalable et si, à la date de constatation finale⁽¹⁾, le panier équipondéré clôture à un niveau strictement inférieur à 100% de son Niveau initial mais supérieur ou égal à 70% de ce dernier, l’investisseur récupère l’intégralité de son capital initialement investi. Le capital n’est donc exposé à un risque de perte à l’échéance⁽¹⁾ que si le panier équipondéré clôture à un niveau strictement inférieur à 70% de son Niveau initial à la date de constatation finale⁽¹⁾.</a:t>
+              <a:t>Sinon, si le mécanisme automatique de remboursement anticipé n’a pas été activé au préalable et si, à la date de constatation finale⁽¹⁾, l’action clôture à un cours strictement inférieur à 80% de son Cours Initial mais supérieur ou égal à 50% de ce dernier, l’investisseur récupère l’intégralité de son capital initialement investi. Le capital n’est donc exposé à un risque de perte à l’échéance⁽¹⁾ que si l’action clôture à un cours strictement inférieur à 50% de son Cours Initial à la date de constatation finale⁽¹⁾.</a:t>
             </a:r>
           </a:p>
           <a:p>
@@ -17304,7 +17321,7 @@
                   <a:srgbClr val="000000"/>
                 </a:solidFill>
               </a:rPr>
-              <a:t>, le panier équipondéré enregistre une baisse supérieure à 30% de son Niveau initial). La valeur du remboursement peut être inférieure au montant du capital initialement investi. Dans le pire des scenarios, les investisseurs peuvent perdre jusqu’à la totalité de leur capital initialement investi. En cas de revente des titres de créance avant la date d’échéance</a:t>
+              <a:t>, l’action enregistre une baisse supérieure à 50% de son Cours Initial). La valeur du remboursement peut être inférieure au montant du capital initialement investi. Dans le pire des scenarios, les investisseurs peuvent perdre jusqu’à la totalité de leur capital initialement investi. En cas de revente des titres de créance avant la date d’échéance</a:t>
             </a:r>
             <a:r>
               <a:rPr lang="fr-FR" sz="800" baseline="30000" dirty="0">
@@ -17422,7 +17439,7 @@
                   <a:srgbClr val="000000"/>
                 </a:solidFill>
               </a:rPr>
-              <a:t>L’investisseur ne connaît pas à l’avance la durée exacte de son investissement qui peut varier de de 1 à 10 ans</a:t>
+              <a:t>L’investisseur ne connaît pas à l’avance la durée exacte de son investissement qui peut varier de de 4 à 40 trimestres</a:t>
             </a:r>
             <a:r>
               <a:rPr lang="fr-FR" sz="800" b="1" dirty="0">
@@ -17453,7 +17470,7 @@
                   <a:srgbClr val="000000"/>
                 </a:solidFill>
               </a:rPr>
-              <a:t>L’investisseur peut ne bénéficier que d’une hausse partielle du panier équipondéré, du fait du </a:t>
+              <a:t>L’investisseur peut ne bénéficier que d’une hausse partielle de l'action, du fait du </a:t>
             </a:r>
             <a:r>
               <a:rPr lang="fr-FR" sz="800" b="1" dirty="0">
@@ -17461,7 +17478,7 @@
                   <a:srgbClr val="000000"/>
                 </a:solidFill>
               </a:rPr>
-              <a:t>mécanisme de plafonnement des gains à 1,00% environ par jour calendaire depuis le 29/07/2022 (exclu) </a:t>
+              <a:t>mécanisme de plafonnement des gains à 1,00% par trimestre écoulé depuis le 29/07/2022 </a:t>
             </a:r>
             <a:r>
               <a:rPr lang="fr-FR" sz="800" dirty="0">
@@ -17469,7 +17486,7 @@
                   <a:srgbClr val="000000"/>
                 </a:solidFill>
               </a:rPr>
-              <a:t>(soit un taux de rendement annuel net maximum de 352,74%</a:t>
+              <a:t>(soit un taux de rendement annuel net maximum de 2,92%</a:t>
             </a:r>
             <a:r>
               <a:rPr lang="fr-FR" sz="800" baseline="30000" dirty="0">
@@ -17520,7 +17537,7 @@
                   <a:srgbClr val="000000"/>
                 </a:solidFill>
               </a:rPr>
-              <a:t>Le rendement de « kopkpopok » est très sensible à une faible variation du niveau de clôture du panier équipondéré autour du seuil de </a:t>
+              <a:t>Le rendement de « kopkpopok » est très sensible à une faible variation du cours de clôture de l'action autour du seuil de </a:t>
             </a:r>
             <a:r>
               <a:rPr lang="fr-FR" sz="800" b="1" dirty="0">
@@ -17530,14 +17547,14 @@
                 <a:effectLst/>
                 <a:ea typeface="Calibri" panose="020F0502020204030204" pitchFamily="34" charset="0"/>
               </a:rPr>
-              <a:t>100% de son Niveau initial % </a:t>
+              <a:t>100% de son Cours Initial et 100% </a:t>
             </a:r>
             <a:r>
               <a:rPr lang="fr-FR" sz="800" b="1" dirty="0">
                 <a:effectLst/>
                 <a:ea typeface="Calibri" panose="020F0502020204030204" pitchFamily="34" charset="0"/>
               </a:rPr>
-              <a:t>en cours de vie, et des seuils de 100% et 70% de son Niveau initial à la date de constatation finale</a:t>
+              <a:t>en cours de vie, et des seuils de 80% et 50% de son Cours Initial à la date de constatation finale</a:t>
             </a:r>
             <a:r>
               <a:rPr lang="fr-FR" sz="800" b="1" baseline="30000" dirty="0">
@@ -17811,7 +17828,7 @@
                   <a:srgbClr val="000000"/>
                 </a:solidFill>
               </a:rPr>
-              <a:t>Le mécanisme de remboursement est lié à l’évolution du niveau du panier équipondéré et donc à l’évolution des marchés actions.</a:t>
+              <a:t>Le mécanisme de remboursement est lié à l’évolution du cours de l'action et donc à l’évolution des marchés actions.</a:t>
             </a:r>
           </a:p>
           <a:p>
@@ -18036,7 +18053,7 @@
                 </a:solidFill>
                 <a:latin typeface="+mn-lt"/>
               </a:rPr>
-              <a:t>selon les scénarios. Une sortie anticipée à l’initiative de l’investisseur se fera à un niveau dépendant de l’évolution des paramètres de marché au moment de la sortie (niveau du panier équipondéré, des taux d’intérêt, de la volatilité et des primes de risque de crédit notamment) et pourra donc entraîner un risque de perte en capital.</a:t>
+              <a:t>selon les scénarios. Une sortie anticipée à l’initiative de l’investisseur se fera à un cours dépendant de l’évolution des paramètres de marché au moment de la sortie (cours de l'action, des taux d’intérêt, de la volatilité et des primes de risque de crédit notamment) et pourra donc entraîner un risque de perte en capital.</a:t>
             </a:r>
           </a:p>
           <a:p>
@@ -18347,7 +18364,7 @@
               <a:rPr lang="fr-FR" sz="800" b="1" dirty="0">
                 <a:latin typeface="Proxima Nova Rg" panose="02000506030000020004" pitchFamily="2" charset="0"/>
               </a:rPr>
-              <a:t>Les données chiffrées utilisées dans ces exemples n’ont qu’une valeur indicative et informative, l’objectif étant de décrire le mécanisme du produit. Ces illustrations ont été réalisées de bonne foi à titre d'information uniquement. Elles ne préjugent en rien de l'évolution future du panier équipondéré Bouygues SA et du produit.</a:t>
+              <a:t>Les données chiffrées utilisées dans ces exemples n’ont qu’une valeur indicative et informative, l’objectif étant de décrire le mécanisme du produit. Ces illustrations ont été réalisées de bonne foi à titre d'information uniquement. Elles ne préjugent en rien de l'évolution future de l'action Bouygues SA et du produit.</a:t>
             </a:r>
           </a:p>
         </p:txBody>
@@ -18421,7 +18438,7 @@
                   <a:srgbClr val="B9A049"/>
                 </a:solidFill>
               </a:rPr>
-              <a:t>, le panier équipondéré clôture à un niveau strictement inférieur à 70% de son Niveau initial</a:t>
+              <a:t>, l’action clôture à un cours strictement inférieur à 50% de son Cours Initial</a:t>
             </a:r>
           </a:p>
         </p:txBody>
@@ -18479,7 +18496,7 @@
               <a:rPr lang="fr-FR" sz="800" b="0" dirty="0">
                 <a:latin typeface="+mn-lt"/>
               </a:rPr>
-              <a:t>À la date de constatation finale⁽¹⁾, le panier équipondéré clôture à un niveau strictement inférieur à 100% mais supérieur ou égal à 70% de son Niveau initial</a:t>
+              <a:t>À la date de constatation finale⁽¹⁾, l’action clôture à un cours strictement inférieur à 80% mais supérieur ou égal à 50% de son Cours Initial</a:t>
             </a:r>
           </a:p>
         </p:txBody>
@@ -18537,7 +18554,7 @@
               <a:rPr lang="fr-FR" sz="800" b="0" dirty="0">
                 <a:latin typeface="+mn-lt"/>
               </a:rPr>
-              <a:t>Dès la première date de constatation quotidienne du mécanisme de remboursement anticipé automatique</a:t>
+              <a:t>Dès la première date de constatation trimestrielle du mécanisme de remboursement anticipé automatique</a:t>
             </a:r>
             <a:r>
               <a:rPr lang="fr-FR" sz="800" b="0" baseline="30000" dirty="0">
@@ -18549,7 +18566,7 @@
               <a:rPr lang="fr-FR" sz="800" b="0" dirty="0">
                 <a:latin typeface="+mn-lt"/>
               </a:rPr>
-              <a:t>, le panier équipondéré clôture à un niveau supérieur ou égal à 100% de son Niveau initial</a:t>
+              <a:t>, l’action clôture à un cours supérieur ou égal à 100% de son Cours Initial</a:t>
             </a:r>
           </a:p>
         </p:txBody>
@@ -18767,7 +18784,7 @@
                 </a:solidFill>
                 <a:latin typeface="+mn-lt"/>
               </a:rPr>
-              <a:t>LE RENDEMENT DU PRODUIT « kopkpopok » EST TRÈS SENSIBLE À UNE FAIBLE VARIATION DU niveau DE CLÔTURE du panier équipondéré AUTOUR DES SEUILS DE 100% ET DE 70% </a:t>
+              <a:t>LE RENDEMENT DU PRODUIT « kopkpopok » EST TRÈS SENSIBLE À UNE FAIBLE VARIATION DU cours DE CLÔTURE de l'action AUTOUR DES SEUILS DE 80% ET DE 50% </a:t>
             </a:r>
             <a:r>
               <a:rPr lang="fr-FR" sz="800" cap="all" dirty="0">
@@ -18776,7 +18793,7 @@
                 </a:solidFill>
                 <a:latin typeface="+mn-lt"/>
               </a:rPr>
-              <a:t>DE SON Niveau initial</a:t>
+              <a:t>DE SON Cours Initial</a:t>
             </a:r>
             <a:r>
               <a:rPr lang="fr-FR" sz="800" dirty="0">
@@ -18852,7 +18869,7 @@
             </a:pPr>
             <a:r>
               <a:rPr lang="fr-FR" sz="800" dirty="0"/>
-              <a:t>À chaque date de constatation quotidienne</a:t>
+              <a:t>À chaque date de constatation trimestrielle</a:t>
             </a:r>
             <a:r>
               <a:rPr lang="fr-FR" sz="800" baseline="30000" dirty="0"/>
@@ -18862,11 +18879,11 @@
               <a:rPr lang="fr-FR" sz="800" dirty="0">
                 <a:latin typeface="+mn-lt"/>
               </a:rPr>
-              <a:t>chaque jour de bourse, du 29/07/2023 (inclus) jusqu'à la date de constatation finale (exclue)</a:t>
+              <a:t>des trimestres 4 à 39</a:t>
             </a:r>
             <a:r>
               <a:rPr lang="fr-FR" sz="800" dirty="0"/>
-              <a:t>, le panier équipondéré clôture à un niveau strictement inférieur à 100% de son Niveau initial. Le mécanisme de remboursement anticipé automatique n’est donc pas activé et le produit continue.</a:t>
+              <a:t>, l’action clôture à un cours strictement inférieur à 100% de son Cours Initial. Le mécanisme de remboursement anticipé automatique n’est donc pas activé et le produit continue.</a:t>
             </a:r>
           </a:p>
           <a:p>
@@ -18903,7 +18920,7 @@
             </a:r>
             <a:r>
               <a:rPr lang="fr-FR" sz="800" dirty="0"/>
-              <a:t>, le panier équipondéré clôture à un niveau strictement inférieur à 70% de son Niveau initial (30% dans cet exemple). L’investisseur récupère alors le capital initialement investi diminué de l’intégralité de la baisse enregistrée par le panier équipondéré, soit 30% de son capital initial dans cet exemple.</a:t>
+              <a:t>, l’action clôture à un cours strictement inférieur à 50% de son Cours Initial (30% dans cet exemple). L’investisseur récupère alors le capital initialement investi diminué de l’intégralité de la baisse enregistrée par l’action, soit 30% de son capital initial dans cet exemple.</a:t>
             </a:r>
           </a:p>
           <a:p>
@@ -18917,7 +18934,7 @@
             </a:pPr>
             <a:r>
               <a:rPr lang="fr-FR" sz="800" dirty="0"/>
-              <a:t>Le taux de rendement annuel net est alors similaire à celui d’un investissement direct dans le panier équipondéré</a:t>
+              <a:t>Le taux de rendement annuel net est alors similaire à celui d’un investissement direct dans l’action</a:t>
             </a:r>
             <a:r>
               <a:rPr lang="fr-FR" sz="800" baseline="30000" dirty="0"/>
@@ -19010,7 +19027,7 @@
               <a:rPr lang="fr-FR" sz="800" dirty="0">
                 <a:latin typeface="+mn-lt"/>
               </a:rPr>
-              <a:t>À chaque date de constatation quotidienne</a:t>
+              <a:t>À chaque date de constatation trimestrielle</a:t>
             </a:r>
             <a:r>
               <a:rPr lang="fr-FR" sz="800" baseline="30000" dirty="0">
@@ -19025,7 +19042,7 @@
               <a:rPr lang="fr-FR" sz="800" dirty="0">
                 <a:latin typeface="+mn-lt"/>
               </a:rPr>
-              <a:t> chaque jour de bourse, du 29/07/2023 (inclus) jusqu'à la date de constatation finale (exclue), le panier équipondéré clôture à </a:t>
+              <a:t> des trimestres 4 à 39, l’action clôture à </a:t>
             </a:r>
             <a:r>
               <a:rPr lang="fr-FR" sz="800" dirty="0">
@@ -19034,7 +19051,7 @@
                 </a:solidFill>
                 <a:latin typeface="+mn-lt"/>
               </a:rPr>
-              <a:t>un niveau strictement inférieur à 100% de son Niveau initial</a:t>
+              <a:t>un cours strictement inférieur à 100% de son Cours Initial</a:t>
             </a:r>
             <a:r>
               <a:rPr lang="fr-FR" sz="800" dirty="0">
@@ -19069,7 +19086,7 @@
               <a:rPr lang="fr-FR" sz="800" dirty="0">
                 <a:latin typeface="+mn-lt"/>
               </a:rPr>
-              <a:t>À la date de constatation finale⁽¹⁾, le panier équipondéré clôture à un niveau strictement inférieur à 100% de son Niveau initial mais supérieur ou égal à 70% de ce dernier (65% dans cet exemple). L’investisseur récupère alors l’intégralité de son capital initialement investi.
+              <a:t>À la date de constatation finale⁽¹⁾, l’action clôture à un cours strictement inférieur à 80% de son Cours Initial mais supérieur ou égal à 50% de ce dernier (70% dans cet exemple). L’investisseur récupère alors l’intégralité de son capital initialement investi.
  </a:t>
             </a:r>
           </a:p>
@@ -19107,7 +19124,7 @@
                 </a:solidFill>
                 <a:latin typeface="+mn-lt"/>
               </a:rPr>
-              <a:t>, contre un taux de rendement annuel net de -5,17%</a:t>
+              <a:t>, contre un taux de rendement annuel net de -4,46%</a:t>
             </a:r>
             <a:r>
               <a:rPr lang="fr-FR" sz="800" baseline="30000" dirty="0">
@@ -19125,7 +19142,7 @@
                 </a:solidFill>
                 <a:latin typeface="+mn-lt"/>
               </a:rPr>
-              <a:t>, pour un investissement direct dans le panier équipondéré</a:t>
+              <a:t>, pour un investissement direct dans l’action</a:t>
             </a:r>
             <a:r>
               <a:rPr lang="fr-FR" sz="800" baseline="30000" dirty="0">
@@ -19238,7 +19255,7 @@
                   <a:schemeClr val="tx2"/>
                 </a:solidFill>
               </a:rPr>
-              <a:t>Dès la première date de constatation quotidienne</a:t>
+              <a:t>Dès la première date de constatation trimestrielle</a:t>
             </a:r>
             <a:r>
               <a:rPr lang="fr-FR" sz="800" baseline="30000" dirty="0">
@@ -19262,7 +19279,7 @@
                   <a:schemeClr val="tx2"/>
                 </a:solidFill>
               </a:rPr>
-              <a:t>le panier équipondéré </a:t>
+              <a:t>l’action </a:t>
             </a:r>
             <a:r>
               <a:rPr lang="fr-FR" sz="800" dirty="0">
@@ -19279,7 +19296,7 @@
                 </a:solidFill>
                 <a:latin typeface="Proxima Nova Rg" panose="02000506030000020004" pitchFamily="2" charset="0"/>
               </a:rPr>
-              <a:t>un niveau supérieur à 100% de son Niveau initial </a:t>
+              <a:t>un cours supérieur à 100% de son Cours Initial </a:t>
             </a:r>
             <a:r>
               <a:rPr lang="fr-FR" sz="800" dirty="0">
@@ -19287,7 +19304,7 @@
                   <a:schemeClr val="tx2"/>
                 </a:solidFill>
               </a:rPr>
-              <a:t>(115% dans cet exemple). Le produit est automatiquement remboursé par anticipation. Il verse alors l’intégralité du capital initial majorée d’un gain de 1,00% environ par jour calendaire depuis le 29/07/2022 (exclu), soit un gain de 365,0% dans notre exemple.</a:t>
+              <a:t>(115% dans cet exemple). Le produit est automatiquement remboursé par anticipation. Il verse alors l’intégralité du capital initial majorée d’un gain de 1,00% par trimestre écoulé depuis le 29/07/2022, soit un gain de 4,0% dans notre exemple.</a:t>
             </a:r>
           </a:p>
           <a:p>
@@ -19298,7 +19315,7 @@
             </a:pPr>
             <a:r>
               <a:rPr lang="fr-FR" sz="800" dirty="0"/>
-              <a:t>Ce qui correspond à un taux de rendement annuel net de 352,74%</a:t>
+              <a:t>Ce qui correspond à un taux de rendement annuel net de 2,92%</a:t>
             </a:r>
             <a:r>
               <a:rPr lang="fr-FR" sz="800" baseline="30000" dirty="0"/>
@@ -19318,7 +19335,7 @@
             </a:r>
             <a:r>
               <a:rPr lang="it-IT" sz="800" dirty="0"/>
-              <a:t>le panier équipondéré</a:t>
+              <a:t>l’action</a:t>
             </a:r>
             <a:r>
               <a:rPr lang="fr-FR" sz="800" baseline="30000" dirty="0"/>
@@ -19334,7 +19351,7 @@
                   <a:schemeClr val="tx2"/>
                 </a:solidFill>
               </a:rPr>
-              <a:t>mécanisme de plafonnement des gains à 1,00% environ par jour calendaire depuis le 29/07/2022 (exclu).</a:t>
+              <a:t>mécanisme de plafonnement des gains à 1,00% par trimestre écoulé depuis le 29/07/2022.</a:t>
             </a:r>
           </a:p>
         </p:txBody>
@@ -20495,6 +20512,15 @@
 </file>
 
 <file path=customXml/item2.xml><?xml version="1.0" encoding="utf-8"?>
+<?mso-contentType ?>
+<FormTemplates xmlns="http://schemas.microsoft.com/sharepoint/v3/contenttype/forms">
+  <Display>DocumentLibraryForm</Display>
+  <Edit>DocumentLibraryForm</Edit>
+  <New>DocumentLibraryForm</New>
+</FormTemplates>
+</file>
+
+<file path=customXml/item3.xml><?xml version="1.0" encoding="utf-8"?>
 <p:properties xmlns:p="http://schemas.microsoft.com/office/2006/metadata/properties" xmlns:xsi="http://www.w3.org/2001/XMLSchema-instance" xmlns:pc="http://schemas.microsoft.com/office/infopath/2007/PartnerControls">
   <documentManagement>
     <_Flow_SignoffStatus xmlns="ef624bc2-1644-4d69-8362-5c28ca496374" xsi:nil="true"/>
@@ -20504,15 +20530,6 @@
     </lcf76f155ced4ddcb4097134ff3c332f>
   </documentManagement>
 </p:properties>
-</file>
-
-<file path=customXml/item3.xml><?xml version="1.0" encoding="utf-8"?>
-<?mso-contentType ?>
-<FormTemplates xmlns="http://schemas.microsoft.com/sharepoint/v3/contenttype/forms">
-  <Display>DocumentLibraryForm</Display>
-  <Edit>DocumentLibraryForm</Edit>
-  <New>DocumentLibraryForm</New>
-</FormTemplates>
 </file>
 
 <file path=customXml/itemProps1.xml><?xml version="1.0" encoding="utf-8"?>
@@ -20535,6 +20552,14 @@
 </file>
 
 <file path=customXml/itemProps2.xml><?xml version="1.0" encoding="utf-8"?>
+<ds:datastoreItem xmlns:ds="http://schemas.openxmlformats.org/officeDocument/2006/customXml" ds:itemID="{B00FC41E-FBDE-42E2-B58A-20EBD240A376}">
+  <ds:schemaRefs>
+    <ds:schemaRef ds:uri="http://schemas.microsoft.com/sharepoint/v3/contenttype/forms"/>
+  </ds:schemaRefs>
+</ds:datastoreItem>
+</file>
+
+<file path=customXml/itemProps3.xml><?xml version="1.0" encoding="utf-8"?>
 <ds:datastoreItem xmlns:ds="http://schemas.openxmlformats.org/officeDocument/2006/customXml" ds:itemID="{25DE574B-2CD2-4078-9BEA-2A14717D9698}">
   <ds:schemaRefs>
     <ds:schemaRef ds:uri="http://purl.org/dc/terms/"/>
@@ -20549,12 +20574,4 @@
     <ds:schemaRef ds:uri="http://purl.org/dc/dcmitype/"/>
   </ds:schemaRefs>
 </ds:datastoreItem>
-</file>
-
-<file path=customXml/itemProps3.xml><?xml version="1.0" encoding="utf-8"?>
-<ds:datastoreItem xmlns:ds="http://schemas.openxmlformats.org/officeDocument/2006/customXml" ds:itemID="{B00FC41E-FBDE-42E2-B58A-20EBD240A376}">
-  <ds:schemaRefs>
-    <ds:schemaRef ds:uri="http://schemas.microsoft.com/sharepoint/v3/contenttype/forms"/>
-  </ds:schemaRefs>
-</ds:datastoreItem>
 </file>